--- a/ibm_1102.pptx
+++ b/ibm_1102.pptx
@@ -249,7 +249,7 @@
           <a:p>
             <a:fld id="{EA8D3418-03AE-E04E-8436-3042FFD692E6}" type="datetimeFigureOut">
               <a:rPr lang="en-US" smtClean="0"/>
-              <a:t>10/31/18</a:t>
+              <a:t>11/2/18</a:t>
             </a:fld>
             <a:endParaRPr lang="en-US"/>
           </a:p>
@@ -645,7 +645,7 @@
           <a:p>
             <a:fld id="{B122C9D4-D70C-8744-B8EA-410692182F3A}" type="datetimeFigureOut">
               <a:rPr lang="en-US" smtClean="0"/>
-              <a:t>10/31/18</a:t>
+              <a:t>11/2/18</a:t>
             </a:fld>
             <a:endParaRPr lang="en-US"/>
           </a:p>
@@ -813,7 +813,7 @@
           <a:p>
             <a:fld id="{B122C9D4-D70C-8744-B8EA-410692182F3A}" type="datetimeFigureOut">
               <a:rPr lang="en-US" smtClean="0"/>
-              <a:t>10/31/18</a:t>
+              <a:t>11/2/18</a:t>
             </a:fld>
             <a:endParaRPr lang="en-US"/>
           </a:p>
@@ -991,7 +991,7 @@
           <a:p>
             <a:fld id="{B122C9D4-D70C-8744-B8EA-410692182F3A}" type="datetimeFigureOut">
               <a:rPr lang="en-US" smtClean="0"/>
-              <a:t>10/31/18</a:t>
+              <a:t>11/2/18</a:t>
             </a:fld>
             <a:endParaRPr lang="en-US"/>
           </a:p>
@@ -1159,7 +1159,7 @@
           <a:p>
             <a:fld id="{B122C9D4-D70C-8744-B8EA-410692182F3A}" type="datetimeFigureOut">
               <a:rPr lang="en-US" smtClean="0"/>
-              <a:t>10/31/18</a:t>
+              <a:t>11/2/18</a:t>
             </a:fld>
             <a:endParaRPr lang="en-US"/>
           </a:p>
@@ -1404,7 +1404,7 @@
           <a:p>
             <a:fld id="{B122C9D4-D70C-8744-B8EA-410692182F3A}" type="datetimeFigureOut">
               <a:rPr lang="en-US" smtClean="0"/>
-              <a:t>10/31/18</a:t>
+              <a:t>11/2/18</a:t>
             </a:fld>
             <a:endParaRPr lang="en-US"/>
           </a:p>
@@ -1633,7 +1633,7 @@
           <a:p>
             <a:fld id="{B122C9D4-D70C-8744-B8EA-410692182F3A}" type="datetimeFigureOut">
               <a:rPr lang="en-US" smtClean="0"/>
-              <a:t>10/31/18</a:t>
+              <a:t>11/2/18</a:t>
             </a:fld>
             <a:endParaRPr lang="en-US"/>
           </a:p>
@@ -1997,7 +1997,7 @@
           <a:p>
             <a:fld id="{B122C9D4-D70C-8744-B8EA-410692182F3A}" type="datetimeFigureOut">
               <a:rPr lang="en-US" smtClean="0"/>
-              <a:t>10/31/18</a:t>
+              <a:t>11/2/18</a:t>
             </a:fld>
             <a:endParaRPr lang="en-US"/>
           </a:p>
@@ -2114,7 +2114,7 @@
           <a:p>
             <a:fld id="{B122C9D4-D70C-8744-B8EA-410692182F3A}" type="datetimeFigureOut">
               <a:rPr lang="en-US" smtClean="0"/>
-              <a:t>10/31/18</a:t>
+              <a:t>11/2/18</a:t>
             </a:fld>
             <a:endParaRPr lang="en-US"/>
           </a:p>
@@ -2209,7 +2209,7 @@
           <a:p>
             <a:fld id="{B122C9D4-D70C-8744-B8EA-410692182F3A}" type="datetimeFigureOut">
               <a:rPr lang="en-US" smtClean="0"/>
-              <a:t>10/31/18</a:t>
+              <a:t>11/2/18</a:t>
             </a:fld>
             <a:endParaRPr lang="en-US"/>
           </a:p>
@@ -2484,7 +2484,7 @@
           <a:p>
             <a:fld id="{B122C9D4-D70C-8744-B8EA-410692182F3A}" type="datetimeFigureOut">
               <a:rPr lang="en-US" smtClean="0"/>
-              <a:t>10/31/18</a:t>
+              <a:t>11/2/18</a:t>
             </a:fld>
             <a:endParaRPr lang="en-US"/>
           </a:p>
@@ -2736,7 +2736,7 @@
           <a:p>
             <a:fld id="{B122C9D4-D70C-8744-B8EA-410692182F3A}" type="datetimeFigureOut">
               <a:rPr lang="en-US" smtClean="0"/>
-              <a:t>10/31/18</a:t>
+              <a:t>11/2/18</a:t>
             </a:fld>
             <a:endParaRPr lang="en-US"/>
           </a:p>
@@ -2947,7 +2947,7 @@
           <a:p>
             <a:fld id="{B122C9D4-D70C-8744-B8EA-410692182F3A}" type="datetimeFigureOut">
               <a:rPr lang="en-US" smtClean="0"/>
-              <a:t>10/31/18</a:t>
+              <a:t>11/2/18</a:t>
             </a:fld>
             <a:endParaRPr lang="en-US"/>
           </a:p>
@@ -3560,8 +3560,8 @@
           </a:p>
         </p:txBody>
       </p:sp>
-      <mc:AlternateContent xmlns:mc="http://schemas.openxmlformats.org/markup-compatibility/2006" xmlns:a14="http://schemas.microsoft.com/office/drawing/2010/main">
-        <mc:Choice Requires="a14">
+      <mc:AlternateContent xmlns:mc="http://schemas.openxmlformats.org/markup-compatibility/2006">
+        <mc:Choice xmlns:a14="http://schemas.microsoft.com/office/drawing/2010/main" Requires="a14">
           <p:sp>
             <p:nvSpPr>
               <p:cNvPr id="3" name="Content Placeholder 2"/>
@@ -3673,9 +3673,9 @@
                             </m:r>
                             <m:r>
                               <a:rPr lang="en-US" b="0" i="1" smtClean="0">
-                                <a:latin typeface="Cambria Math" charset="0"/>
+                                <a:latin typeface="Cambria Math" panose="02040503050406030204" pitchFamily="18" charset="0"/>
                               </a:rPr>
-                              <m:t>𝑙</m:t>
+                              <m:t>𝑛</m:t>
                             </m:r>
                             <m:r>
                               <a:rPr lang="en-US" b="0" i="1" smtClean="0">
@@ -3929,9 +3929,9 @@
                             </m:r>
                             <m:r>
                               <a:rPr lang="en-US" b="0" i="1" smtClean="0">
-                                <a:latin typeface="Cambria Math" charset="0"/>
+                                <a:latin typeface="Cambria Math" panose="02040503050406030204" pitchFamily="18" charset="0"/>
                               </a:rPr>
-                              <m:t>𝑙</m:t>
+                              <m:t>𝑛</m:t>
                             </m:r>
                             <m:r>
                               <a:rPr lang="en-US" b="0" i="1" smtClean="0">
@@ -4086,7 +4086,7 @@
             </p:txBody>
           </p:sp>
         </mc:Choice>
-        <mc:Fallback xmlns="">
+        <mc:Fallback>
           <p:sp>
             <p:nvSpPr>
               <p:cNvPr id="3" name="Content Placeholder 2"/>
@@ -4102,10 +4102,10 @@
                 <a:off x="838200" y="1825625"/>
                 <a:ext cx="10515600" cy="3457575"/>
               </a:xfrm>
-              <a:blipFill rotWithShape="0">
+              <a:blipFill>
                 <a:blip r:embed="rId2"/>
                 <a:stretch>
-                  <a:fillRect l="-1043" t="-3873"/>
+                  <a:fillRect l="-965" t="-4412" b="-23529"/>
                 </a:stretch>
               </a:blipFill>
             </p:spPr>
@@ -4807,33 +4807,6 @@
                                   </p:childTnLst>
                                 </p:cTn>
                               </p:par>
-                              <p:par>
-                                <p:cTn id="7" presetID="1" presetClass="entr" presetSubtype="0" fill="hold" grpId="0" nodeType="withEffect">
-                                  <p:stCondLst>
-                                    <p:cond delay="0"/>
-                                  </p:stCondLst>
-                                  <p:childTnLst>
-                                    <p:set>
-                                      <p:cBhvr>
-                                        <p:cTn id="8" dur="1" fill="hold">
-                                          <p:stCondLst>
-                                            <p:cond delay="0"/>
-                                          </p:stCondLst>
-                                        </p:cTn>
-                                        <p:tgtEl>
-                                          <p:spTgt spid="4"/>
-                                        </p:tgtEl>
-                                        <p:attrNameLst>
-                                          <p:attrName>style.visibility</p:attrName>
-                                        </p:attrNameLst>
-                                      </p:cBhvr>
-                                      <p:to>
-                                        <p:strVal val="visible"/>
-                                      </p:to>
-                                    </p:set>
-                                  </p:childTnLst>
-                                </p:cTn>
-                              </p:par>
                             </p:childTnLst>
                           </p:cTn>
                         </p:par>
@@ -4841,26 +4814,26 @@
                     </p:cTn>
                   </p:par>
                   <p:par>
-                    <p:cTn id="9" fill="hold">
+                    <p:cTn id="7" fill="hold">
                       <p:stCondLst>
                         <p:cond delay="indefinite"/>
                       </p:stCondLst>
                       <p:childTnLst>
                         <p:par>
-                          <p:cTn id="10" fill="hold">
+                          <p:cTn id="8" fill="hold">
                             <p:stCondLst>
                               <p:cond delay="0"/>
                             </p:stCondLst>
                             <p:childTnLst>
                               <p:par>
-                                <p:cTn id="11" presetID="1" presetClass="entr" presetSubtype="0" fill="hold" grpId="0" nodeType="clickEffect">
+                                <p:cTn id="9" presetID="1" presetClass="entr" presetSubtype="0" fill="hold" grpId="0" nodeType="clickEffect">
                                   <p:stCondLst>
                                     <p:cond delay="0"/>
                                   </p:stCondLst>
                                   <p:childTnLst>
                                     <p:set>
                                       <p:cBhvr>
-                                        <p:cTn id="12" dur="1" fill="hold">
+                                        <p:cTn id="10" dur="1" fill="hold">
                                           <p:stCondLst>
                                             <p:cond delay="0"/>
                                           </p:stCondLst>
@@ -4883,8 +4856,26 @@
                                   </p:childTnLst>
                                 </p:cTn>
                               </p:par>
+                            </p:childTnLst>
+                          </p:cTn>
+                        </p:par>
+                      </p:childTnLst>
+                    </p:cTn>
+                  </p:par>
+                  <p:par>
+                    <p:cTn id="11" fill="hold">
+                      <p:stCondLst>
+                        <p:cond delay="indefinite"/>
+                      </p:stCondLst>
+                      <p:childTnLst>
+                        <p:par>
+                          <p:cTn id="12" fill="hold">
+                            <p:stCondLst>
+                              <p:cond delay="0"/>
+                            </p:stCondLst>
+                            <p:childTnLst>
                               <p:par>
-                                <p:cTn id="13" presetID="1" presetClass="entr" presetSubtype="0" fill="hold" grpId="0" nodeType="withEffect">
+                                <p:cTn id="13" presetID="1" presetClass="entr" presetSubtype="0" fill="hold" grpId="0" nodeType="clickEffect">
                                   <p:stCondLst>
                                     <p:cond delay="0"/>
                                   </p:stCondLst>
@@ -4892,159 +4883,6 @@
                                     <p:set>
                                       <p:cBhvr>
                                         <p:cTn id="14" dur="1" fill="hold">
-                                          <p:stCondLst>
-                                            <p:cond delay="0"/>
-                                          </p:stCondLst>
-                                        </p:cTn>
-                                        <p:tgtEl>
-                                          <p:spTgt spid="5"/>
-                                        </p:tgtEl>
-                                        <p:attrNameLst>
-                                          <p:attrName>style.visibility</p:attrName>
-                                        </p:attrNameLst>
-                                      </p:cBhvr>
-                                      <p:to>
-                                        <p:strVal val="visible"/>
-                                      </p:to>
-                                    </p:set>
-                                  </p:childTnLst>
-                                </p:cTn>
-                              </p:par>
-                              <p:par>
-                                <p:cTn id="15" presetID="1" presetClass="entr" presetSubtype="0" fill="hold" grpId="0" nodeType="withEffect">
-                                  <p:stCondLst>
-                                    <p:cond delay="0"/>
-                                  </p:stCondLst>
-                                  <p:childTnLst>
-                                    <p:set>
-                                      <p:cBhvr>
-                                        <p:cTn id="16" dur="1" fill="hold">
-                                          <p:stCondLst>
-                                            <p:cond delay="0"/>
-                                          </p:stCondLst>
-                                        </p:cTn>
-                                        <p:tgtEl>
-                                          <p:spTgt spid="6"/>
-                                        </p:tgtEl>
-                                        <p:attrNameLst>
-                                          <p:attrName>style.visibility</p:attrName>
-                                        </p:attrNameLst>
-                                      </p:cBhvr>
-                                      <p:to>
-                                        <p:strVal val="visible"/>
-                                      </p:to>
-                                    </p:set>
-                                  </p:childTnLst>
-                                </p:cTn>
-                              </p:par>
-                              <p:par>
-                                <p:cTn id="17" presetID="1" presetClass="entr" presetSubtype="0" fill="hold" grpId="0" nodeType="withEffect">
-                                  <p:stCondLst>
-                                    <p:cond delay="0"/>
-                                  </p:stCondLst>
-                                  <p:childTnLst>
-                                    <p:set>
-                                      <p:cBhvr>
-                                        <p:cTn id="18" dur="1" fill="hold">
-                                          <p:stCondLst>
-                                            <p:cond delay="0"/>
-                                          </p:stCondLst>
-                                        </p:cTn>
-                                        <p:tgtEl>
-                                          <p:spTgt spid="7"/>
-                                        </p:tgtEl>
-                                        <p:attrNameLst>
-                                          <p:attrName>style.visibility</p:attrName>
-                                        </p:attrNameLst>
-                                      </p:cBhvr>
-                                      <p:to>
-                                        <p:strVal val="visible"/>
-                                      </p:to>
-                                    </p:set>
-                                  </p:childTnLst>
-                                </p:cTn>
-                              </p:par>
-                              <p:par>
-                                <p:cTn id="19" presetID="1" presetClass="entr" presetSubtype="0" fill="hold" grpId="0" nodeType="withEffect">
-                                  <p:stCondLst>
-                                    <p:cond delay="0"/>
-                                  </p:stCondLst>
-                                  <p:childTnLst>
-                                    <p:set>
-                                      <p:cBhvr>
-                                        <p:cTn id="20" dur="1" fill="hold">
-                                          <p:stCondLst>
-                                            <p:cond delay="0"/>
-                                          </p:stCondLst>
-                                        </p:cTn>
-                                        <p:tgtEl>
-                                          <p:spTgt spid="8"/>
-                                        </p:tgtEl>
-                                        <p:attrNameLst>
-                                          <p:attrName>style.visibility</p:attrName>
-                                        </p:attrNameLst>
-                                      </p:cBhvr>
-                                      <p:to>
-                                        <p:strVal val="visible"/>
-                                      </p:to>
-                                    </p:set>
-                                  </p:childTnLst>
-                                </p:cTn>
-                              </p:par>
-                              <p:par>
-                                <p:cTn id="21" presetID="1" presetClass="entr" presetSubtype="0" fill="hold" grpId="0" nodeType="withEffect">
-                                  <p:stCondLst>
-                                    <p:cond delay="0"/>
-                                  </p:stCondLst>
-                                  <p:childTnLst>
-                                    <p:set>
-                                      <p:cBhvr>
-                                        <p:cTn id="22" dur="1" fill="hold">
-                                          <p:stCondLst>
-                                            <p:cond delay="0"/>
-                                          </p:stCondLst>
-                                        </p:cTn>
-                                        <p:tgtEl>
-                                          <p:spTgt spid="13"/>
-                                        </p:tgtEl>
-                                        <p:attrNameLst>
-                                          <p:attrName>style.visibility</p:attrName>
-                                        </p:attrNameLst>
-                                      </p:cBhvr>
-                                      <p:to>
-                                        <p:strVal val="visible"/>
-                                      </p:to>
-                                    </p:set>
-                                  </p:childTnLst>
-                                </p:cTn>
-                              </p:par>
-                            </p:childTnLst>
-                          </p:cTn>
-                        </p:par>
-                      </p:childTnLst>
-                    </p:cTn>
-                  </p:par>
-                  <p:par>
-                    <p:cTn id="23" fill="hold">
-                      <p:stCondLst>
-                        <p:cond delay="indefinite"/>
-                      </p:stCondLst>
-                      <p:childTnLst>
-                        <p:par>
-                          <p:cTn id="24" fill="hold">
-                            <p:stCondLst>
-                              <p:cond delay="0"/>
-                            </p:stCondLst>
-                            <p:childTnLst>
-                              <p:par>
-                                <p:cTn id="25" presetID="1" presetClass="entr" presetSubtype="0" fill="hold" grpId="0" nodeType="clickEffect">
-                                  <p:stCondLst>
-                                    <p:cond delay="0"/>
-                                  </p:stCondLst>
-                                  <p:childTnLst>
-                                    <p:set>
-                                      <p:cBhvr>
-                                        <p:cTn id="26" dur="1" fill="hold">
                                           <p:stCondLst>
                                             <p:cond delay="0"/>
                                           </p:stCondLst>
@@ -5074,19 +4912,180 @@
                     </p:cTn>
                   </p:par>
                   <p:par>
-                    <p:cTn id="27" fill="hold">
+                    <p:cTn id="15" fill="hold">
                       <p:stCondLst>
                         <p:cond delay="indefinite"/>
                       </p:stCondLst>
                       <p:childTnLst>
                         <p:par>
-                          <p:cTn id="28" fill="hold">
+                          <p:cTn id="16" fill="hold">
                             <p:stCondLst>
                               <p:cond delay="0"/>
                             </p:stCondLst>
                             <p:childTnLst>
                               <p:par>
-                                <p:cTn id="29" presetID="1" presetClass="entr" presetSubtype="0" fill="hold" grpId="0" nodeType="clickEffect">
+                                <p:cTn id="17" presetID="1" presetClass="entr" presetSubtype="0" fill="hold" grpId="0" nodeType="clickEffect">
+                                  <p:stCondLst>
+                                    <p:cond delay="0"/>
+                                  </p:stCondLst>
+                                  <p:childTnLst>
+                                    <p:set>
+                                      <p:cBhvr>
+                                        <p:cTn id="18" dur="1" fill="hold">
+                                          <p:stCondLst>
+                                            <p:cond delay="0"/>
+                                          </p:stCondLst>
+                                        </p:cTn>
+                                        <p:tgtEl>
+                                          <p:spTgt spid="3">
+                                            <p:txEl>
+                                              <p:pRg st="3" end="3"/>
+                                            </p:txEl>
+                                          </p:spTgt>
+                                        </p:tgtEl>
+                                        <p:attrNameLst>
+                                          <p:attrName>style.visibility</p:attrName>
+                                        </p:attrNameLst>
+                                      </p:cBhvr>
+                                      <p:to>
+                                        <p:strVal val="visible"/>
+                                      </p:to>
+                                    </p:set>
+                                  </p:childTnLst>
+                                </p:cTn>
+                              </p:par>
+                            </p:childTnLst>
+                          </p:cTn>
+                        </p:par>
+                      </p:childTnLst>
+                    </p:cTn>
+                  </p:par>
+                  <p:par>
+                    <p:cTn id="19" fill="hold">
+                      <p:stCondLst>
+                        <p:cond delay="indefinite"/>
+                      </p:stCondLst>
+                      <p:childTnLst>
+                        <p:par>
+                          <p:cTn id="20" fill="hold">
+                            <p:stCondLst>
+                              <p:cond delay="0"/>
+                            </p:stCondLst>
+                            <p:childTnLst>
+                              <p:par>
+                                <p:cTn id="21" presetID="1" presetClass="entr" presetSubtype="0" fill="hold" grpId="0" nodeType="clickEffect">
+                                  <p:stCondLst>
+                                    <p:cond delay="0"/>
+                                  </p:stCondLst>
+                                  <p:childTnLst>
+                                    <p:set>
+                                      <p:cBhvr>
+                                        <p:cTn id="22" dur="1" fill="hold">
+                                          <p:stCondLst>
+                                            <p:cond delay="0"/>
+                                          </p:stCondLst>
+                                        </p:cTn>
+                                        <p:tgtEl>
+                                          <p:spTgt spid="3">
+                                            <p:txEl>
+                                              <p:pRg st="4" end="4"/>
+                                            </p:txEl>
+                                          </p:spTgt>
+                                        </p:tgtEl>
+                                        <p:attrNameLst>
+                                          <p:attrName>style.visibility</p:attrName>
+                                        </p:attrNameLst>
+                                      </p:cBhvr>
+                                      <p:to>
+                                        <p:strVal val="visible"/>
+                                      </p:to>
+                                    </p:set>
+                                  </p:childTnLst>
+                                </p:cTn>
+                              </p:par>
+                              <p:par>
+                                <p:cTn id="23" presetID="1" presetClass="entr" presetSubtype="0" fill="hold" grpId="0" nodeType="withEffect">
+                                  <p:stCondLst>
+                                    <p:cond delay="0"/>
+                                  </p:stCondLst>
+                                  <p:childTnLst>
+                                    <p:set>
+                                      <p:cBhvr>
+                                        <p:cTn id="24" dur="1" fill="hold">
+                                          <p:stCondLst>
+                                            <p:cond delay="0"/>
+                                          </p:stCondLst>
+                                        </p:cTn>
+                                        <p:tgtEl>
+                                          <p:spTgt spid="4"/>
+                                        </p:tgtEl>
+                                        <p:attrNameLst>
+                                          <p:attrName>style.visibility</p:attrName>
+                                        </p:attrNameLst>
+                                      </p:cBhvr>
+                                      <p:to>
+                                        <p:strVal val="visible"/>
+                                      </p:to>
+                                    </p:set>
+                                  </p:childTnLst>
+                                </p:cTn>
+                              </p:par>
+                              <p:par>
+                                <p:cTn id="25" presetID="1" presetClass="entr" presetSubtype="0" fill="hold" grpId="0" nodeType="withEffect">
+                                  <p:stCondLst>
+                                    <p:cond delay="0"/>
+                                  </p:stCondLst>
+                                  <p:childTnLst>
+                                    <p:set>
+                                      <p:cBhvr>
+                                        <p:cTn id="26" dur="1" fill="hold">
+                                          <p:stCondLst>
+                                            <p:cond delay="0"/>
+                                          </p:stCondLst>
+                                        </p:cTn>
+                                        <p:tgtEl>
+                                          <p:spTgt spid="5"/>
+                                        </p:tgtEl>
+                                        <p:attrNameLst>
+                                          <p:attrName>style.visibility</p:attrName>
+                                        </p:attrNameLst>
+                                      </p:cBhvr>
+                                      <p:to>
+                                        <p:strVal val="visible"/>
+                                      </p:to>
+                                    </p:set>
+                                  </p:childTnLst>
+                                </p:cTn>
+                              </p:par>
+                              <p:par>
+                                <p:cTn id="27" presetID="1" presetClass="entr" presetSubtype="0" fill="hold" grpId="0" nodeType="withEffect">
+                                  <p:stCondLst>
+                                    <p:cond delay="0"/>
+                                  </p:stCondLst>
+                                  <p:childTnLst>
+                                    <p:set>
+                                      <p:cBhvr>
+                                        <p:cTn id="28" dur="1" fill="hold">
+                                          <p:stCondLst>
+                                            <p:cond delay="0"/>
+                                          </p:stCondLst>
+                                        </p:cTn>
+                                        <p:tgtEl>
+                                          <p:spTgt spid="6"/>
+                                        </p:tgtEl>
+                                        <p:attrNameLst>
+                                          <p:attrName>style.visibility</p:attrName>
+                                        </p:attrNameLst>
+                                      </p:cBhvr>
+                                      <p:to>
+                                        <p:strVal val="visible"/>
+                                      </p:to>
+                                    </p:set>
+                                  </p:childTnLst>
+                                </p:cTn>
+                              </p:par>
+                              <p:par>
+                                <p:cTn id="29" presetID="1" presetClass="entr" presetSubtype="0" fill="hold" grpId="0" nodeType="withEffect">
                                   <p:stCondLst>
                                     <p:cond delay="0"/>
                                   </p:stCondLst>
@@ -5099,11 +5098,7 @@
                                           </p:stCondLst>
                                         </p:cTn>
                                         <p:tgtEl>
-                                          <p:spTgt spid="3">
-                                            <p:txEl>
-                                              <p:pRg st="3" end="3"/>
-                                            </p:txEl>
-                                          </p:spTgt>
+                                          <p:spTgt spid="7"/>
                                         </p:tgtEl>
                                         <p:attrNameLst>
                                           <p:attrName>style.visibility</p:attrName>
@@ -5130,6 +5125,60 @@
                                           </p:stCondLst>
                                         </p:cTn>
                                         <p:tgtEl>
+                                          <p:spTgt spid="8"/>
+                                        </p:tgtEl>
+                                        <p:attrNameLst>
+                                          <p:attrName>style.visibility</p:attrName>
+                                        </p:attrNameLst>
+                                      </p:cBhvr>
+                                      <p:to>
+                                        <p:strVal val="visible"/>
+                                      </p:to>
+                                    </p:set>
+                                  </p:childTnLst>
+                                </p:cTn>
+                              </p:par>
+                              <p:par>
+                                <p:cTn id="33" presetID="1" presetClass="entr" presetSubtype="0" fill="hold" grpId="0" nodeType="withEffect">
+                                  <p:stCondLst>
+                                    <p:cond delay="0"/>
+                                  </p:stCondLst>
+                                  <p:childTnLst>
+                                    <p:set>
+                                      <p:cBhvr>
+                                        <p:cTn id="34" dur="1" fill="hold">
+                                          <p:stCondLst>
+                                            <p:cond delay="0"/>
+                                          </p:stCondLst>
+                                        </p:cTn>
+                                        <p:tgtEl>
+                                          <p:spTgt spid="13"/>
+                                        </p:tgtEl>
+                                        <p:attrNameLst>
+                                          <p:attrName>style.visibility</p:attrName>
+                                        </p:attrNameLst>
+                                      </p:cBhvr>
+                                      <p:to>
+                                        <p:strVal val="visible"/>
+                                      </p:to>
+                                    </p:set>
+                                  </p:childTnLst>
+                                </p:cTn>
+                              </p:par>
+                              <p:par>
+                                <p:cTn id="35" presetID="1" presetClass="entr" presetSubtype="0" fill="hold" grpId="0" nodeType="withEffect">
+                                  <p:stCondLst>
+                                    <p:cond delay="0"/>
+                                  </p:stCondLst>
+                                  <p:childTnLst>
+                                    <p:set>
+                                      <p:cBhvr>
+                                        <p:cTn id="36" dur="1" fill="hold">
+                                          <p:stCondLst>
+                                            <p:cond delay="0"/>
+                                          </p:stCondLst>
+                                        </p:cTn>
+                                        <p:tgtEl>
                                           <p:spTgt spid="18"/>
                                         </p:tgtEl>
                                         <p:attrNameLst>
@@ -5150,26 +5199,26 @@
                     </p:cTn>
                   </p:par>
                   <p:par>
-                    <p:cTn id="33" fill="hold">
+                    <p:cTn id="37" fill="hold">
                       <p:stCondLst>
                         <p:cond delay="indefinite"/>
                       </p:stCondLst>
                       <p:childTnLst>
                         <p:par>
-                          <p:cTn id="34" fill="hold">
+                          <p:cTn id="38" fill="hold">
                             <p:stCondLst>
                               <p:cond delay="0"/>
                             </p:stCondLst>
                             <p:childTnLst>
                               <p:par>
-                                <p:cTn id="35" presetID="1" presetClass="entr" presetSubtype="0" fill="hold" grpId="0" nodeType="clickEffect">
+                                <p:cTn id="39" presetID="1" presetClass="entr" presetSubtype="0" fill="hold" grpId="0" nodeType="clickEffect">
                                   <p:stCondLst>
                                     <p:cond delay="0"/>
                                   </p:stCondLst>
                                   <p:childTnLst>
                                     <p:set>
                                       <p:cBhvr>
-                                        <p:cTn id="36" dur="1" fill="hold">
+                                        <p:cTn id="40" dur="1" fill="hold">
                                           <p:stCondLst>
                                             <p:cond delay="0"/>
                                           </p:stCondLst>
@@ -5189,14 +5238,14 @@
                                 </p:cTn>
                               </p:par>
                               <p:par>
-                                <p:cTn id="37" presetID="1" presetClass="entr" presetSubtype="0" fill="hold" grpId="0" nodeType="withEffect">
+                                <p:cTn id="41" presetID="1" presetClass="entr" presetSubtype="0" fill="hold" grpId="0" nodeType="withEffect">
                                   <p:stCondLst>
                                     <p:cond delay="0"/>
                                   </p:stCondLst>
                                   <p:childTnLst>
                                     <p:set>
                                       <p:cBhvr>
-                                        <p:cTn id="38" dur="1" fill="hold">
+                                        <p:cTn id="42" dur="1" fill="hold">
                                           <p:stCondLst>
                                             <p:cond delay="0"/>
                                           </p:stCondLst>
@@ -5216,14 +5265,14 @@
                                 </p:cTn>
                               </p:par>
                               <p:par>
-                                <p:cTn id="39" presetID="1" presetClass="entr" presetSubtype="0" fill="hold" nodeType="withEffect">
+                                <p:cTn id="43" presetID="1" presetClass="entr" presetSubtype="0" fill="hold" nodeType="withEffect">
                                   <p:stCondLst>
                                     <p:cond delay="0"/>
                                   </p:stCondLst>
                                   <p:childTnLst>
                                     <p:set>
                                       <p:cBhvr>
-                                        <p:cTn id="40" dur="1" fill="hold">
+                                        <p:cTn id="44" dur="1" fill="hold">
                                           <p:stCondLst>
                                             <p:cond delay="0"/>
                                           </p:stCondLst>
@@ -5249,26 +5298,26 @@
                     </p:cTn>
                   </p:par>
                   <p:par>
-                    <p:cTn id="41" fill="hold">
+                    <p:cTn id="45" fill="hold">
                       <p:stCondLst>
                         <p:cond delay="indefinite"/>
                       </p:stCondLst>
                       <p:childTnLst>
                         <p:par>
-                          <p:cTn id="42" fill="hold">
+                          <p:cTn id="46" fill="hold">
                             <p:stCondLst>
                               <p:cond delay="0"/>
                             </p:stCondLst>
                             <p:childTnLst>
                               <p:par>
-                                <p:cTn id="43" presetID="1" presetClass="entr" presetSubtype="0" fill="hold" grpId="0" nodeType="clickEffect">
+                                <p:cTn id="47" presetID="1" presetClass="entr" presetSubtype="0" fill="hold" grpId="0" nodeType="clickEffect">
                                   <p:stCondLst>
                                     <p:cond delay="0"/>
                                   </p:stCondLst>
                                   <p:childTnLst>
                                     <p:set>
                                       <p:cBhvr>
-                                        <p:cTn id="44" dur="1" fill="hold">
+                                        <p:cTn id="48" dur="1" fill="hold">
                                           <p:stCondLst>
                                             <p:cond delay="0"/>
                                           </p:stCondLst>
@@ -5288,14 +5337,14 @@
                                 </p:cTn>
                               </p:par>
                               <p:par>
-                                <p:cTn id="45" presetID="1" presetClass="entr" presetSubtype="0" fill="hold" grpId="0" nodeType="withEffect">
+                                <p:cTn id="49" presetID="1" presetClass="entr" presetSubtype="0" fill="hold" grpId="0" nodeType="withEffect">
                                   <p:stCondLst>
                                     <p:cond delay="0"/>
                                   </p:stCondLst>
                                   <p:childTnLst>
                                     <p:set>
                                       <p:cBhvr>
-                                        <p:cTn id="46" dur="1" fill="hold">
+                                        <p:cTn id="50" dur="1" fill="hold">
                                           <p:stCondLst>
                                             <p:cond delay="0"/>
                                           </p:stCondLst>
@@ -5315,14 +5364,14 @@
                                 </p:cTn>
                               </p:par>
                               <p:par>
-                                <p:cTn id="47" presetID="1" presetClass="entr" presetSubtype="0" fill="hold" nodeType="withEffect">
+                                <p:cTn id="51" presetID="1" presetClass="entr" presetSubtype="0" fill="hold" nodeType="withEffect">
                                   <p:stCondLst>
                                     <p:cond delay="0"/>
                                   </p:stCondLst>
                                   <p:childTnLst>
                                     <p:set>
                                       <p:cBhvr>
-                                        <p:cTn id="48" dur="1" fill="hold">
+                                        <p:cTn id="52" dur="1" fill="hold">
                                           <p:stCondLst>
                                             <p:cond delay="0"/>
                                           </p:stCondLst>
@@ -5348,26 +5397,26 @@
                     </p:cTn>
                   </p:par>
                   <p:par>
-                    <p:cTn id="49" fill="hold">
+                    <p:cTn id="53" fill="hold">
                       <p:stCondLst>
                         <p:cond delay="indefinite"/>
                       </p:stCondLst>
                       <p:childTnLst>
                         <p:par>
-                          <p:cTn id="50" fill="hold">
+                          <p:cTn id="54" fill="hold">
                             <p:stCondLst>
                               <p:cond delay="0"/>
                             </p:stCondLst>
                             <p:childTnLst>
                               <p:par>
-                                <p:cTn id="51" presetID="1" presetClass="entr" presetSubtype="0" fill="hold" grpId="0" nodeType="clickEffect">
+                                <p:cTn id="55" presetID="1" presetClass="entr" presetSubtype="0" fill="hold" grpId="0" nodeType="clickEffect">
                                   <p:stCondLst>
                                     <p:cond delay="0"/>
                                   </p:stCondLst>
                                   <p:childTnLst>
                                     <p:set>
                                       <p:cBhvr>
-                                        <p:cTn id="52" dur="1" fill="hold">
+                                        <p:cTn id="56" dur="1" fill="hold">
                                           <p:stCondLst>
                                             <p:cond delay="0"/>
                                           </p:stCondLst>
@@ -5387,14 +5436,14 @@
                                 </p:cTn>
                               </p:par>
                               <p:par>
-                                <p:cTn id="53" presetID="1" presetClass="entr" presetSubtype="0" fill="hold" grpId="0" nodeType="withEffect">
+                                <p:cTn id="57" presetID="1" presetClass="entr" presetSubtype="0" fill="hold" grpId="0" nodeType="withEffect">
                                   <p:stCondLst>
                                     <p:cond delay="0"/>
                                   </p:stCondLst>
                                   <p:childTnLst>
                                     <p:set>
                                       <p:cBhvr>
-                                        <p:cTn id="54" dur="1" fill="hold">
+                                        <p:cTn id="58" dur="1" fill="hold">
                                           <p:stCondLst>
                                             <p:cond delay="0"/>
                                           </p:stCondLst>
@@ -5414,14 +5463,14 @@
                                 </p:cTn>
                               </p:par>
                               <p:par>
-                                <p:cTn id="55" presetID="1" presetClass="entr" presetSubtype="0" fill="hold" nodeType="withEffect">
+                                <p:cTn id="59" presetID="1" presetClass="entr" presetSubtype="0" fill="hold" nodeType="withEffect">
                                   <p:stCondLst>
                                     <p:cond delay="0"/>
                                   </p:stCondLst>
                                   <p:childTnLst>
                                     <p:set>
                                       <p:cBhvr>
-                                        <p:cTn id="56" dur="1" fill="hold">
+                                        <p:cTn id="60" dur="1" fill="hold">
                                           <p:stCondLst>
                                             <p:cond delay="0"/>
                                           </p:stCondLst>
@@ -5447,26 +5496,26 @@
                     </p:cTn>
                   </p:par>
                   <p:par>
-                    <p:cTn id="57" fill="hold">
+                    <p:cTn id="61" fill="hold">
                       <p:stCondLst>
                         <p:cond delay="indefinite"/>
                       </p:stCondLst>
                       <p:childTnLst>
                         <p:par>
-                          <p:cTn id="58" fill="hold">
+                          <p:cTn id="62" fill="hold">
                             <p:stCondLst>
                               <p:cond delay="0"/>
                             </p:stCondLst>
                             <p:childTnLst>
                               <p:par>
-                                <p:cTn id="59" presetID="1" presetClass="entr" presetSubtype="0" fill="hold" grpId="0" nodeType="clickEffect">
+                                <p:cTn id="63" presetID="1" presetClass="entr" presetSubtype="0" fill="hold" grpId="0" nodeType="clickEffect">
                                   <p:stCondLst>
                                     <p:cond delay="0"/>
                                   </p:stCondLst>
                                   <p:childTnLst>
                                     <p:set>
                                       <p:cBhvr>
-                                        <p:cTn id="60" dur="1" fill="hold">
+                                        <p:cTn id="64" dur="1" fill="hold">
                                           <p:stCondLst>
                                             <p:cond delay="0"/>
                                           </p:stCondLst>
@@ -5486,14 +5535,14 @@
                                 </p:cTn>
                               </p:par>
                               <p:par>
-                                <p:cTn id="61" presetID="1" presetClass="entr" presetSubtype="0" fill="hold" grpId="0" nodeType="withEffect">
+                                <p:cTn id="65" presetID="1" presetClass="entr" presetSubtype="0" fill="hold" grpId="0" nodeType="withEffect">
                                   <p:stCondLst>
                                     <p:cond delay="0"/>
                                   </p:stCondLst>
                                   <p:childTnLst>
                                     <p:set>
                                       <p:cBhvr>
-                                        <p:cTn id="62" dur="1" fill="hold">
+                                        <p:cTn id="66" dur="1" fill="hold">
                                           <p:stCondLst>
                                             <p:cond delay="0"/>
                                           </p:stCondLst>
@@ -5513,52 +5562,7 @@
                                 </p:cTn>
                               </p:par>
                               <p:par>
-                                <p:cTn id="63" presetID="1" presetClass="entr" presetSubtype="0" fill="hold" nodeType="withEffect">
-                                  <p:stCondLst>
-                                    <p:cond delay="0"/>
-                                  </p:stCondLst>
-                                  <p:childTnLst>
-                                    <p:set>
-                                      <p:cBhvr>
-                                        <p:cTn id="64" dur="1" fill="hold">
-                                          <p:stCondLst>
-                                            <p:cond delay="0"/>
-                                          </p:stCondLst>
-                                        </p:cTn>
-                                        <p:tgtEl>
-                                          <p:spTgt spid="19"/>
-                                        </p:tgtEl>
-                                        <p:attrNameLst>
-                                          <p:attrName>style.visibility</p:attrName>
-                                        </p:attrNameLst>
-                                      </p:cBhvr>
-                                      <p:to>
-                                        <p:strVal val="visible"/>
-                                      </p:to>
-                                    </p:set>
-                                  </p:childTnLst>
-                                </p:cTn>
-                              </p:par>
-                            </p:childTnLst>
-                          </p:cTn>
-                        </p:par>
-                      </p:childTnLst>
-                    </p:cTn>
-                  </p:par>
-                  <p:par>
-                    <p:cTn id="65" fill="hold">
-                      <p:stCondLst>
-                        <p:cond delay="indefinite"/>
-                      </p:stCondLst>
-                      <p:childTnLst>
-                        <p:par>
-                          <p:cTn id="66" fill="hold">
-                            <p:stCondLst>
-                              <p:cond delay="0"/>
-                            </p:stCondLst>
-                            <p:childTnLst>
-                              <p:par>
-                                <p:cTn id="67" presetID="1" presetClass="entr" presetSubtype="0" fill="hold" grpId="0" nodeType="clickEffect">
+                                <p:cTn id="67" presetID="1" presetClass="entr" presetSubtype="0" fill="hold" nodeType="withEffect">
                                   <p:stCondLst>
                                     <p:cond delay="0"/>
                                   </p:stCondLst>
@@ -5571,11 +5575,7 @@
                                           </p:stCondLst>
                                         </p:cTn>
                                         <p:tgtEl>
-                                          <p:spTgt spid="3">
-                                            <p:txEl>
-                                              <p:pRg st="4" end="4"/>
-                                            </p:txEl>
-                                          </p:spTgt>
+                                          <p:spTgt spid="19"/>
                                         </p:tgtEl>
                                         <p:attrNameLst>
                                           <p:attrName>style.visibility</p:attrName>
